--- a/格式.pptx
+++ b/格式.pptx
@@ -13825,7 +13825,7 @@
             <a:prstDash val="sysDash"/>
             <a:extLst>
               <a:ext uri="{C807C97D-BFC1-408E-A445-0C87EB9F89A2}">
-                <ask:lineSketchStyleProps xmlns:ask="http://schemas.microsoft.com/office/drawing/2018/sketchyshapes" sd="1219033472">
+                <ask:lineSketchStyleProps xmlns:ask="http://schemas.microsoft.com/office/drawing/2018/sketchyshapes" xmlns="" sd="1219033472">
                   <a:custGeom>
                     <a:avLst/>
                     <a:gdLst>
@@ -14364,7 +14364,7 @@
                 <a:prstDash val="lgDash"/>
                 <a:extLst>
                   <a:ext uri="{C807C97D-BFC1-408E-A445-0C87EB9F89A2}">
-                    <ask:lineSketchStyleProps xmlns:ask="http://schemas.microsoft.com/office/drawing/2018/sketchyshapes" sd="1219033472">
+                    <ask:lineSketchStyleProps xmlns:ask="http://schemas.microsoft.com/office/drawing/2018/sketchyshapes" xmlns="" sd="1219033472">
                       <a:custGeom>
                         <a:avLst/>
                         <a:gdLst>
@@ -14754,7 +14754,7 @@
                 <a:prstDash val="sysDash"/>
                 <a:extLst>
                   <a:ext uri="{C807C97D-BFC1-408E-A445-0C87EB9F89A2}">
-                    <ask:lineSketchStyleProps xmlns:ask="http://schemas.microsoft.com/office/drawing/2018/sketchyshapes" sd="1219033472">
+                    <ask:lineSketchStyleProps xmlns:ask="http://schemas.microsoft.com/office/drawing/2018/sketchyshapes" xmlns="" sd="1219033472">
                       <a:custGeom>
                         <a:avLst/>
                         <a:gdLst>
@@ -16246,7 +16246,7 @@
             <a:prstDash val="sysDash"/>
             <a:extLst>
               <a:ext uri="{C807C97D-BFC1-408E-A445-0C87EB9F89A2}">
-                <ask:lineSketchStyleProps xmlns:ask="http://schemas.microsoft.com/office/drawing/2018/sketchyshapes" sd="1219033472">
+                <ask:lineSketchStyleProps xmlns:ask="http://schemas.microsoft.com/office/drawing/2018/sketchyshapes" xmlns="" sd="1219033472">
                   <a:custGeom>
                     <a:avLst/>
                     <a:gdLst>

--- a/格式.pptx
+++ b/格式.pptx
@@ -13825,7 +13825,7 @@
             <a:prstDash val="sysDash"/>
             <a:extLst>
               <a:ext uri="{C807C97D-BFC1-408E-A445-0C87EB9F89A2}">
-                <ask:lineSketchStyleProps xmlns:ask="http://schemas.microsoft.com/office/drawing/2018/sketchyshapes" xmlns="" sd="1219033472">
+                <ask:lineSketchStyleProps xmlns="" xmlns:ask="http://schemas.microsoft.com/office/drawing/2018/sketchyshapes" sd="1219033472">
                   <a:custGeom>
                     <a:avLst/>
                     <a:gdLst>
@@ -14364,7 +14364,7 @@
                 <a:prstDash val="lgDash"/>
                 <a:extLst>
                   <a:ext uri="{C807C97D-BFC1-408E-A445-0C87EB9F89A2}">
-                    <ask:lineSketchStyleProps xmlns:ask="http://schemas.microsoft.com/office/drawing/2018/sketchyshapes" xmlns="" sd="1219033472">
+                    <ask:lineSketchStyleProps xmlns="" xmlns:ask="http://schemas.microsoft.com/office/drawing/2018/sketchyshapes" sd="1219033472">
                       <a:custGeom>
                         <a:avLst/>
                         <a:gdLst>
@@ -14754,7 +14754,7 @@
                 <a:prstDash val="sysDash"/>
                 <a:extLst>
                   <a:ext uri="{C807C97D-BFC1-408E-A445-0C87EB9F89A2}">
-                    <ask:lineSketchStyleProps xmlns:ask="http://schemas.microsoft.com/office/drawing/2018/sketchyshapes" xmlns="" sd="1219033472">
+                    <ask:lineSketchStyleProps xmlns="" xmlns:ask="http://schemas.microsoft.com/office/drawing/2018/sketchyshapes" sd="1219033472">
                       <a:custGeom>
                         <a:avLst/>
                         <a:gdLst>
@@ -16246,7 +16246,7 @@
             <a:prstDash val="sysDash"/>
             <a:extLst>
               <a:ext uri="{C807C97D-BFC1-408E-A445-0C87EB9F89A2}">
-                <ask:lineSketchStyleProps xmlns:ask="http://schemas.microsoft.com/office/drawing/2018/sketchyshapes" xmlns="" sd="1219033472">
+                <ask:lineSketchStyleProps xmlns="" xmlns:ask="http://schemas.microsoft.com/office/drawing/2018/sketchyshapes" sd="1219033472">
                   <a:custGeom>
                     <a:avLst/>
                     <a:gdLst>
